--- a/Accessibility-and-Usability.pptx
+++ b/Accessibility-and-Usability.pptx
@@ -113,6 +113,11 @@
       </a:defRPr>
     </a:lvl9pPr>
   </p:defaultTextStyle>
+  <p:extLst>
+    <p:ext uri="{EFAFB233-063F-42B5-8137-9DF3F51BA10A}">
+      <p15:sldGuideLst xmlns:p15="http://schemas.microsoft.com/office/powerpoint/2012/main"/>
+    </p:ext>
+  </p:extLst>
 </p:presentation>
 </file>
 
@@ -304,7 +309,7 @@
             <a:fld id="{FAECFE85-D0D5-456A-9634-4DD519003E20}" type="datetime1">
               <a:rPr lang="es-ES" smtClean="0"/>
               <a:pPr lvl="0"/>
-              <a:t>15/11/2022</a:t>
+              <a:t>16/11/2022</a:t>
             </a:fld>
             <a:endParaRPr lang="es-ES"/>
           </a:p>
@@ -584,7 +589,7 @@
             <a:fld id="{E2205D6F-8DC3-44B4-A779-3A0163EDD018}" type="datetime1">
               <a:rPr lang="es-ES" smtClean="0"/>
               <a:pPr lvl="0"/>
-              <a:t>15/11/2022</a:t>
+              <a:t>16/11/2022</a:t>
             </a:fld>
             <a:endParaRPr lang="es-ES"/>
           </a:p>
@@ -782,7 +787,7 @@
             <a:fld id="{03CC9259-BE90-4D48-8106-806A6D4F1E03}" type="datetime1">
               <a:rPr lang="es-ES" smtClean="0"/>
               <a:pPr lvl="0"/>
-              <a:t>15/11/2022</a:t>
+              <a:t>16/11/2022</a:t>
             </a:fld>
             <a:endParaRPr lang="es-ES"/>
           </a:p>
@@ -1059,7 +1064,7 @@
             <a:fld id="{D77F4E13-85BD-420E-955F-92E387171CAE}" type="datetime1">
               <a:rPr lang="es-ES" smtClean="0"/>
               <a:pPr lvl="0"/>
-              <a:t>15/11/2022</a:t>
+              <a:t>16/11/2022</a:t>
             </a:fld>
             <a:endParaRPr lang="es-ES"/>
           </a:p>
@@ -1404,7 +1409,7 @@
             <a:fld id="{D77F4E13-85BD-420E-955F-92E387171CAE}" type="datetime1">
               <a:rPr lang="es-ES" smtClean="0"/>
               <a:pPr lvl="0"/>
-              <a:t>15/11/2022</a:t>
+              <a:t>16/11/2022</a:t>
             </a:fld>
             <a:endParaRPr lang="es-ES"/>
           </a:p>
@@ -2031,7 +2036,7 @@
             <a:fld id="{77FF3A45-8064-4085-9C68-F2FABA49EECD}" type="datetime1">
               <a:rPr lang="es-ES" smtClean="0"/>
               <a:pPr lvl="0"/>
-              <a:t>15/11/2022</a:t>
+              <a:t>16/11/2022</a:t>
             </a:fld>
             <a:endParaRPr lang="es-ES"/>
           </a:p>
@@ -2895,7 +2900,7 @@
             <a:fld id="{8CB400E6-25DC-42ED-9C55-B94E714E45A1}" type="datetime1">
               <a:rPr lang="es-ES" smtClean="0"/>
               <a:pPr lvl="0"/>
-              <a:t>15/11/2022</a:t>
+              <a:t>16/11/2022</a:t>
             </a:fld>
             <a:endParaRPr lang="es-ES"/>
           </a:p>
@@ -3069,7 +3074,7 @@
             <a:fld id="{1D1EF741-450B-449C-B5E5-29B2DEDAB132}" type="datetime1">
               <a:rPr lang="es-ES" smtClean="0"/>
               <a:pPr lvl="0"/>
-              <a:t>15/11/2022</a:t>
+              <a:t>16/11/2022</a:t>
             </a:fld>
             <a:endParaRPr lang="es-ES"/>
           </a:p>
@@ -3253,7 +3258,7 @@
             <a:fld id="{F061C1C0-6240-4C32-9529-8FAD08328F1E}" type="datetime1">
               <a:rPr lang="es-ES" smtClean="0"/>
               <a:pPr lvl="0"/>
-              <a:t>15/11/2022</a:t>
+              <a:t>16/11/2022</a:t>
             </a:fld>
             <a:endParaRPr lang="es-ES"/>
           </a:p>
@@ -3427,7 +3432,7 @@
             <a:fld id="{582E3C92-C89A-4C6C-A255-6521E8316196}" type="datetime1">
               <a:rPr lang="es-ES" smtClean="0"/>
               <a:pPr lvl="0"/>
-              <a:t>15/11/2022</a:t>
+              <a:t>16/11/2022</a:t>
             </a:fld>
             <a:endParaRPr lang="es-ES"/>
           </a:p>
@@ -3679,7 +3684,7 @@
             <a:fld id="{800F4EB1-7AD4-43A3-BC95-1AD7D106233C}" type="datetime1">
               <a:rPr lang="es-ES" smtClean="0"/>
               <a:pPr lvl="0"/>
-              <a:t>15/11/2022</a:t>
+              <a:t>16/11/2022</a:t>
             </a:fld>
             <a:endParaRPr lang="es-ES"/>
           </a:p>
@@ -3975,7 +3980,7 @@
             <a:fld id="{9D87903F-FD58-479F-AD1B-F7A3C27B9FBF}" type="datetime1">
               <a:rPr lang="es-ES" smtClean="0"/>
               <a:pPr lvl="0"/>
-              <a:t>15/11/2022</a:t>
+              <a:t>16/11/2022</a:t>
             </a:fld>
             <a:endParaRPr lang="es-ES"/>
           </a:p>
@@ -4423,7 +4428,7 @@
             <a:fld id="{73CCD782-A218-40F3-BCA9-48BF883CCD5F}" type="datetime1">
               <a:rPr lang="es-ES" smtClean="0"/>
               <a:pPr lvl="0"/>
-              <a:t>15/11/2022</a:t>
+              <a:t>16/11/2022</a:t>
             </a:fld>
             <a:endParaRPr lang="es-ES"/>
           </a:p>
@@ -4545,7 +4550,7 @@
             <a:fld id="{CAD776AB-0B6F-4329-9CE7-145AEE31B7D3}" type="datetime1">
               <a:rPr lang="es-ES" smtClean="0"/>
               <a:pPr lvl="0"/>
-              <a:t>15/11/2022</a:t>
+              <a:t>16/11/2022</a:t>
             </a:fld>
             <a:endParaRPr lang="es-ES"/>
           </a:p>
@@ -4644,7 +4649,7 @@
             <a:fld id="{2F2E8CD3-6A5A-4B26-BF05-5E839C84FA37}" type="datetime1">
               <a:rPr lang="es-ES" smtClean="0"/>
               <a:pPr lvl="0"/>
-              <a:t>15/11/2022</a:t>
+              <a:t>16/11/2022</a:t>
             </a:fld>
             <a:endParaRPr lang="es-ES"/>
           </a:p>
@@ -4927,7 +4932,7 @@
             <a:fld id="{4A886BC7-B1E8-4663-8190-EADFDF349642}" type="datetime1">
               <a:rPr lang="es-ES" smtClean="0"/>
               <a:pPr lvl="0"/>
-              <a:t>15/11/2022</a:t>
+              <a:t>16/11/2022</a:t>
             </a:fld>
             <a:endParaRPr lang="es-ES"/>
           </a:p>
@@ -5206,7 +5211,7 @@
             <a:fld id="{60A9ED94-7F99-4256-8C2F-812D3C4245B2}" type="datetime1">
               <a:rPr lang="es-ES" smtClean="0"/>
               <a:pPr lvl="0"/>
-              <a:t>15/11/2022</a:t>
+              <a:t>16/11/2022</a:t>
             </a:fld>
             <a:endParaRPr lang="es-ES"/>
           </a:p>
@@ -5639,7 +5644,7 @@
             <a:fld id="{D77F4E13-85BD-420E-955F-92E387171CAE}" type="datetime1">
               <a:rPr lang="es-ES" smtClean="0"/>
               <a:pPr lvl="0"/>
-              <a:t>15/11/2022</a:t>
+              <a:t>16/11/2022</a:t>
             </a:fld>
             <a:endParaRPr lang="es-ES"/>
           </a:p>
@@ -7449,6 +7454,18 @@
   <p:clrMapOvr>
     <a:overrideClrMapping bg1="lt1" tx1="dk1" bg2="lt2" tx2="dk2" accent1="accent1" accent2="accent2" accent3="accent3" accent4="accent4" accent5="accent5" accent6="accent6" hlink="hlink" folHlink="folHlink"/>
   </p:clrMapOvr>
+  <mc:AlternateContent xmlns:mc="http://schemas.openxmlformats.org/markup-compatibility/2006">
+    <mc:Choice xmlns:p15="http://schemas.microsoft.com/office/powerpoint/2012/main" Requires="p15">
+      <p:transition xmlns:p14="http://schemas.microsoft.com/office/powerpoint/2010/main" spd="slow" p14:dur="2000">
+        <p15:prstTrans prst="drape"/>
+      </p:transition>
+    </mc:Choice>
+    <mc:Fallback>
+      <p:transition spd="slow">
+        <p:fade/>
+      </p:transition>
+    </mc:Fallback>
+  </mc:AlternateContent>
 </p:sld>
 </file>
 
@@ -7640,6 +7657,18 @@
   <p:clrMapOvr>
     <a:masterClrMapping/>
   </p:clrMapOvr>
+  <mc:AlternateContent xmlns:mc="http://schemas.openxmlformats.org/markup-compatibility/2006">
+    <mc:Choice xmlns:p15="http://schemas.microsoft.com/office/powerpoint/2012/main" Requires="p15">
+      <p:transition xmlns:p14="http://schemas.microsoft.com/office/powerpoint/2010/main" spd="slow" p14:dur="1250">
+        <p15:prstTrans prst="peelOff"/>
+      </p:transition>
+    </mc:Choice>
+    <mc:Fallback>
+      <p:transition spd="slow">
+        <p:fade/>
+      </p:transition>
+    </mc:Fallback>
+  </mc:AlternateContent>
 </p:sld>
 </file>
 
@@ -8810,6 +8839,18 @@
   <p:clrMapOvr>
     <a:overrideClrMapping bg1="lt1" tx1="dk1" bg2="lt2" tx2="dk2" accent1="accent1" accent2="accent2" accent3="accent3" accent4="accent4" accent5="accent5" accent6="accent6" hlink="hlink" folHlink="folHlink"/>
   </p:clrMapOvr>
+  <mc:AlternateContent xmlns:mc="http://schemas.openxmlformats.org/markup-compatibility/2006">
+    <mc:Choice xmlns:p15="http://schemas.microsoft.com/office/powerpoint/2012/main" Requires="p15">
+      <p:transition xmlns:p14="http://schemas.microsoft.com/office/powerpoint/2010/main" spd="slow" p14:dur="1250">
+        <p15:prstTrans prst="pageCurlDouble"/>
+      </p:transition>
+    </mc:Choice>
+    <mc:Fallback>
+      <p:transition spd="slow">
+        <p:fade/>
+      </p:transition>
+    </mc:Fallback>
+  </mc:AlternateContent>
 </p:sld>
 </file>
 
@@ -9952,6 +9993,18 @@
   <p:clrMapOvr>
     <a:overrideClrMapping bg1="lt1" tx1="dk1" bg2="lt2" tx2="dk2" accent1="accent1" accent2="accent2" accent3="accent3" accent4="accent4" accent5="accent5" accent6="accent6" hlink="hlink" folHlink="folHlink"/>
   </p:clrMapOvr>
+  <mc:AlternateContent xmlns:mc="http://schemas.openxmlformats.org/markup-compatibility/2006">
+    <mc:Choice xmlns:p14="http://schemas.microsoft.com/office/powerpoint/2010/main" Requires="p14">
+      <p:transition spd="slow" p14:dur="1250">
+        <p14:switch dir="r"/>
+      </p:transition>
+    </mc:Choice>
+    <mc:Fallback>
+      <p:transition spd="slow">
+        <p:fade/>
+      </p:transition>
+    </mc:Fallback>
+  </mc:AlternateContent>
 </p:sld>
 </file>
 
@@ -11078,6 +11131,18 @@
   <p:clrMapOvr>
     <a:overrideClrMapping bg1="lt1" tx1="dk1" bg2="lt2" tx2="dk2" accent1="accent1" accent2="accent2" accent3="accent3" accent4="accent4" accent5="accent5" accent6="accent6" hlink="hlink" folHlink="folHlink"/>
   </p:clrMapOvr>
+  <mc:AlternateContent xmlns:mc="http://schemas.openxmlformats.org/markup-compatibility/2006">
+    <mc:Choice xmlns:p14="http://schemas.microsoft.com/office/powerpoint/2010/main" Requires="p14">
+      <p:transition spd="slow" p14:dur="1600">
+        <p14:gallery dir="l"/>
+      </p:transition>
+    </mc:Choice>
+    <mc:Fallback>
+      <p:transition spd="slow">
+        <p:fade/>
+      </p:transition>
+    </mc:Fallback>
+  </mc:AlternateContent>
 </p:sld>
 </file>
 
@@ -12242,6 +12307,18 @@
   <p:clrMapOvr>
     <a:overrideClrMapping bg1="lt1" tx1="dk1" bg2="lt2" tx2="dk2" accent1="accent1" accent2="accent2" accent3="accent3" accent4="accent4" accent5="accent5" accent6="accent6" hlink="hlink" folHlink="folHlink"/>
   </p:clrMapOvr>
+  <mc:AlternateContent xmlns:mc="http://schemas.openxmlformats.org/markup-compatibility/2006">
+    <mc:Choice xmlns:p14="http://schemas.microsoft.com/office/powerpoint/2010/main" Requires="p14">
+      <p:transition spd="slow" p14:dur="1200">
+        <p14:prism/>
+      </p:transition>
+    </mc:Choice>
+    <mc:Fallback>
+      <p:transition spd="slow">
+        <p:fade/>
+      </p:transition>
+    </mc:Fallback>
+  </mc:AlternateContent>
 </p:sld>
 </file>
 
@@ -13382,6 +13459,18 @@
   <p:clrMapOvr>
     <a:overrideClrMapping bg1="lt1" tx1="dk1" bg2="lt2" tx2="dk2" accent1="accent1" accent2="accent2" accent3="accent3" accent4="accent4" accent5="accent5" accent6="accent6" hlink="hlink" folHlink="folHlink"/>
   </p:clrMapOvr>
+  <mc:AlternateContent xmlns:mc="http://schemas.openxmlformats.org/markup-compatibility/2006">
+    <mc:Choice xmlns:p14="http://schemas.microsoft.com/office/powerpoint/2010/main" Requires="p14">
+      <p:transition spd="slow" p14:dur="1600">
+        <p14:prism isInverted="1"/>
+      </p:transition>
+    </mc:Choice>
+    <mc:Fallback>
+      <p:transition spd="slow">
+        <p:fade/>
+      </p:transition>
+    </mc:Fallback>
+  </mc:AlternateContent>
 </p:sld>
 </file>
 
@@ -14538,6 +14627,18 @@
   <p:clrMapOvr>
     <a:masterClrMapping/>
   </p:clrMapOvr>
+  <mc:AlternateContent xmlns:mc="http://schemas.openxmlformats.org/markup-compatibility/2006">
+    <mc:Choice xmlns:p14="http://schemas.microsoft.com/office/powerpoint/2010/main" Requires="p14">
+      <p:transition spd="slow" p14:dur="2000">
+        <p14:ferris dir="l"/>
+      </p:transition>
+    </mc:Choice>
+    <mc:Fallback>
+      <p:transition spd="slow">
+        <p:fade/>
+      </p:transition>
+    </mc:Fallback>
+  </mc:AlternateContent>
 </p:sld>
 </file>
 
@@ -15331,6 +15432,18 @@
   <p:clrMapOvr>
     <a:masterClrMapping/>
   </p:clrMapOvr>
+  <mc:AlternateContent xmlns:mc="http://schemas.openxmlformats.org/markup-compatibility/2006">
+    <mc:Choice xmlns:p14="http://schemas.microsoft.com/office/powerpoint/2010/main" Requires="p14">
+      <p:transition spd="slow" p14:dur="1600">
+        <p14:prism isContent="1" isInverted="1"/>
+      </p:transition>
+    </mc:Choice>
+    <mc:Fallback>
+      <p:transition spd="slow">
+        <p:fade/>
+      </p:transition>
+    </mc:Fallback>
+  </mc:AlternateContent>
 </p:sld>
 </file>
 
